--- a/project/Image/LedBase.pptx
+++ b/project/Image/LedBase.pptx
@@ -104,6 +104,11 @@
       </a:defRPr>
     </a:lvl9pPr>
   </p:defaultTextStyle>
+  <p:extLst>
+    <p:ext uri="{EFAFB233-063F-42B5-8137-9DF3F51BA10A}">
+      <p15:sldGuideLst xmlns:p15="http://schemas.microsoft.com/office/powerpoint/2012/main"/>
+    </p:ext>
+  </p:extLst>
 </p:presentation>
 </file>
 
@@ -254,7 +259,7 @@
           <a:p>
             <a:fld id="{A31680E9-BE6A-4633-AA09-A65A714DC0D9}" type="datetimeFigureOut">
               <a:rPr lang="ko-KR" altLang="en-US" smtClean="0"/>
-              <a:t>2019-10-30</a:t>
+              <a:t>2019-11-07</a:t>
             </a:fld>
             <a:endParaRPr lang="ko-KR" altLang="en-US"/>
           </a:p>
@@ -452,7 +457,7 @@
           <a:p>
             <a:fld id="{A31680E9-BE6A-4633-AA09-A65A714DC0D9}" type="datetimeFigureOut">
               <a:rPr lang="ko-KR" altLang="en-US" smtClean="0"/>
-              <a:t>2019-10-30</a:t>
+              <a:t>2019-11-07</a:t>
             </a:fld>
             <a:endParaRPr lang="ko-KR" altLang="en-US"/>
           </a:p>
@@ -660,7 +665,7 @@
           <a:p>
             <a:fld id="{A31680E9-BE6A-4633-AA09-A65A714DC0D9}" type="datetimeFigureOut">
               <a:rPr lang="ko-KR" altLang="en-US" smtClean="0"/>
-              <a:t>2019-10-30</a:t>
+              <a:t>2019-11-07</a:t>
             </a:fld>
             <a:endParaRPr lang="ko-KR" altLang="en-US"/>
           </a:p>
@@ -858,7 +863,7 @@
           <a:p>
             <a:fld id="{A31680E9-BE6A-4633-AA09-A65A714DC0D9}" type="datetimeFigureOut">
               <a:rPr lang="ko-KR" altLang="en-US" smtClean="0"/>
-              <a:t>2019-10-30</a:t>
+              <a:t>2019-11-07</a:t>
             </a:fld>
             <a:endParaRPr lang="ko-KR" altLang="en-US"/>
           </a:p>
@@ -1133,7 +1138,7 @@
           <a:p>
             <a:fld id="{A31680E9-BE6A-4633-AA09-A65A714DC0D9}" type="datetimeFigureOut">
               <a:rPr lang="ko-KR" altLang="en-US" smtClean="0"/>
-              <a:t>2019-10-30</a:t>
+              <a:t>2019-11-07</a:t>
             </a:fld>
             <a:endParaRPr lang="ko-KR" altLang="en-US"/>
           </a:p>
@@ -1398,7 +1403,7 @@
           <a:p>
             <a:fld id="{A31680E9-BE6A-4633-AA09-A65A714DC0D9}" type="datetimeFigureOut">
               <a:rPr lang="ko-KR" altLang="en-US" smtClean="0"/>
-              <a:t>2019-10-30</a:t>
+              <a:t>2019-11-07</a:t>
             </a:fld>
             <a:endParaRPr lang="ko-KR" altLang="en-US"/>
           </a:p>
@@ -1810,7 +1815,7 @@
           <a:p>
             <a:fld id="{A31680E9-BE6A-4633-AA09-A65A714DC0D9}" type="datetimeFigureOut">
               <a:rPr lang="ko-KR" altLang="en-US" smtClean="0"/>
-              <a:t>2019-10-30</a:t>
+              <a:t>2019-11-07</a:t>
             </a:fld>
             <a:endParaRPr lang="ko-KR" altLang="en-US"/>
           </a:p>
@@ -1951,7 +1956,7 @@
           <a:p>
             <a:fld id="{A31680E9-BE6A-4633-AA09-A65A714DC0D9}" type="datetimeFigureOut">
               <a:rPr lang="ko-KR" altLang="en-US" smtClean="0"/>
-              <a:t>2019-10-30</a:t>
+              <a:t>2019-11-07</a:t>
             </a:fld>
             <a:endParaRPr lang="ko-KR" altLang="en-US"/>
           </a:p>
@@ -2064,7 +2069,7 @@
           <a:p>
             <a:fld id="{A31680E9-BE6A-4633-AA09-A65A714DC0D9}" type="datetimeFigureOut">
               <a:rPr lang="ko-KR" altLang="en-US" smtClean="0"/>
-              <a:t>2019-10-30</a:t>
+              <a:t>2019-11-07</a:t>
             </a:fld>
             <a:endParaRPr lang="ko-KR" altLang="en-US"/>
           </a:p>
@@ -2375,7 +2380,7 @@
           <a:p>
             <a:fld id="{A31680E9-BE6A-4633-AA09-A65A714DC0D9}" type="datetimeFigureOut">
               <a:rPr lang="ko-KR" altLang="en-US" smtClean="0"/>
-              <a:t>2019-10-30</a:t>
+              <a:t>2019-11-07</a:t>
             </a:fld>
             <a:endParaRPr lang="ko-KR" altLang="en-US"/>
           </a:p>
@@ -2663,7 +2668,7 @@
           <a:p>
             <a:fld id="{A31680E9-BE6A-4633-AA09-A65A714DC0D9}" type="datetimeFigureOut">
               <a:rPr lang="ko-KR" altLang="en-US" smtClean="0"/>
-              <a:t>2019-10-30</a:t>
+              <a:t>2019-11-07</a:t>
             </a:fld>
             <a:endParaRPr lang="ko-KR" altLang="en-US"/>
           </a:p>
@@ -2904,7 +2909,7 @@
           <a:p>
             <a:fld id="{A31680E9-BE6A-4633-AA09-A65A714DC0D9}" type="datetimeFigureOut">
               <a:rPr lang="ko-KR" altLang="en-US" smtClean="0"/>
-              <a:t>2019-10-30</a:t>
+              <a:t>2019-11-07</a:t>
             </a:fld>
             <a:endParaRPr lang="ko-KR" altLang="en-US"/>
           </a:p>
@@ -4281,6 +4286,220 @@
           </a:p>
         </p:txBody>
       </p:sp>
+      <p:sp>
+        <p:nvSpPr>
+          <p:cNvPr id="21" name="타원 20">
+            <a:extLst>
+              <a:ext uri="{FF2B5EF4-FFF2-40B4-BE49-F238E27FC236}">
+                <a16:creationId xmlns:a16="http://schemas.microsoft.com/office/drawing/2014/main" id="{603DAF47-7FA2-4019-852F-20C7D74B49BD}"/>
+              </a:ext>
+            </a:extLst>
+          </p:cNvPr>
+          <p:cNvSpPr/>
+          <p:nvPr/>
+        </p:nvSpPr>
+        <p:spPr>
+          <a:xfrm>
+            <a:off x="7261926" y="256592"/>
+            <a:ext cx="3172408" cy="3172408"/>
+          </a:xfrm>
+          <a:prstGeom prst="ellipse">
+            <a:avLst/>
+          </a:prstGeom>
+          <a:solidFill>
+            <a:schemeClr val="bg1">
+              <a:lumMod val="65000"/>
+            </a:schemeClr>
+          </a:solidFill>
+          <a:ln>
+            <a:noFill/>
+          </a:ln>
+        </p:spPr>
+        <p:style>
+          <a:lnRef idx="2">
+            <a:schemeClr val="accent1">
+              <a:shade val="50000"/>
+            </a:schemeClr>
+          </a:lnRef>
+          <a:fillRef idx="1">
+            <a:schemeClr val="accent1"/>
+          </a:fillRef>
+          <a:effectRef idx="0">
+            <a:schemeClr val="accent1"/>
+          </a:effectRef>
+          <a:fontRef idx="minor">
+            <a:schemeClr val="lt1"/>
+          </a:fontRef>
+        </p:style>
+        <p:txBody>
+          <a:bodyPr rtlCol="0" anchor="ctr"/>
+          <a:lstStyle/>
+          <a:p>
+            <a:pPr algn="ctr"/>
+            <a:endParaRPr lang="ko-KR" altLang="en-US"/>
+          </a:p>
+        </p:txBody>
+      </p:sp>
+      <p:sp>
+        <p:nvSpPr>
+          <p:cNvPr id="23" name="타원 22">
+            <a:extLst>
+              <a:ext uri="{FF2B5EF4-FFF2-40B4-BE49-F238E27FC236}">
+                <a16:creationId xmlns:a16="http://schemas.microsoft.com/office/drawing/2014/main" id="{2305D7C8-882D-4A4A-8714-E26B16679242}"/>
+              </a:ext>
+            </a:extLst>
+          </p:cNvPr>
+          <p:cNvSpPr/>
+          <p:nvPr/>
+        </p:nvSpPr>
+        <p:spPr>
+          <a:xfrm>
+            <a:off x="7542786" y="537452"/>
+            <a:ext cx="2610688" cy="2610688"/>
+          </a:xfrm>
+          <a:prstGeom prst="ellipse">
+            <a:avLst/>
+          </a:prstGeom>
+          <a:solidFill>
+            <a:schemeClr val="bg1">
+              <a:lumMod val="50000"/>
+            </a:schemeClr>
+          </a:solidFill>
+          <a:ln>
+            <a:noFill/>
+          </a:ln>
+        </p:spPr>
+        <p:style>
+          <a:lnRef idx="2">
+            <a:schemeClr val="accent1">
+              <a:shade val="50000"/>
+            </a:schemeClr>
+          </a:lnRef>
+          <a:fillRef idx="1">
+            <a:schemeClr val="accent1"/>
+          </a:fillRef>
+          <a:effectRef idx="0">
+            <a:schemeClr val="accent1"/>
+          </a:effectRef>
+          <a:fontRef idx="minor">
+            <a:schemeClr val="lt1"/>
+          </a:fontRef>
+        </p:style>
+        <p:txBody>
+          <a:bodyPr rtlCol="0" anchor="ctr"/>
+          <a:lstStyle/>
+          <a:p>
+            <a:pPr algn="ctr"/>
+            <a:endParaRPr lang="ko-KR" altLang="en-US"/>
+          </a:p>
+        </p:txBody>
+      </p:sp>
+      <p:sp>
+        <p:nvSpPr>
+          <p:cNvPr id="24" name="타원 23">
+            <a:extLst>
+              <a:ext uri="{FF2B5EF4-FFF2-40B4-BE49-F238E27FC236}">
+                <a16:creationId xmlns:a16="http://schemas.microsoft.com/office/drawing/2014/main" id="{8B9134F9-F458-47F9-8AE0-763AD7C89840}"/>
+              </a:ext>
+            </a:extLst>
+          </p:cNvPr>
+          <p:cNvSpPr/>
+          <p:nvPr/>
+        </p:nvSpPr>
+        <p:spPr>
+          <a:xfrm>
+            <a:off x="7625435" y="620101"/>
+            <a:ext cx="2445390" cy="2445390"/>
+          </a:xfrm>
+          <a:prstGeom prst="ellipse">
+            <a:avLst/>
+          </a:prstGeom>
+          <a:solidFill>
+            <a:srgbClr val="FFC000"/>
+          </a:solidFill>
+          <a:ln>
+            <a:noFill/>
+          </a:ln>
+        </p:spPr>
+        <p:style>
+          <a:lnRef idx="2">
+            <a:schemeClr val="accent1">
+              <a:shade val="50000"/>
+            </a:schemeClr>
+          </a:lnRef>
+          <a:fillRef idx="1">
+            <a:schemeClr val="accent1"/>
+          </a:fillRef>
+          <a:effectRef idx="0">
+            <a:schemeClr val="accent1"/>
+          </a:effectRef>
+          <a:fontRef idx="minor">
+            <a:schemeClr val="lt1"/>
+          </a:fontRef>
+        </p:style>
+        <p:txBody>
+          <a:bodyPr rtlCol="0" anchor="ctr"/>
+          <a:lstStyle/>
+          <a:p>
+            <a:pPr algn="ctr"/>
+            <a:endParaRPr lang="ko-KR" altLang="en-US"/>
+          </a:p>
+        </p:txBody>
+      </p:sp>
+      <p:sp>
+        <p:nvSpPr>
+          <p:cNvPr id="25" name="타원 24">
+            <a:extLst>
+              <a:ext uri="{FF2B5EF4-FFF2-40B4-BE49-F238E27FC236}">
+                <a16:creationId xmlns:a16="http://schemas.microsoft.com/office/drawing/2014/main" id="{5113A1F9-6E4C-403F-AD01-1AC43EB76647}"/>
+              </a:ext>
+            </a:extLst>
+          </p:cNvPr>
+          <p:cNvSpPr/>
+          <p:nvPr/>
+        </p:nvSpPr>
+        <p:spPr>
+          <a:xfrm rot="2289429">
+            <a:off x="7954161" y="897623"/>
+            <a:ext cx="436227" cy="755009"/>
+          </a:xfrm>
+          <a:prstGeom prst="ellipse">
+            <a:avLst/>
+          </a:prstGeom>
+          <a:solidFill>
+            <a:srgbClr val="FFFFFF">
+              <a:alpha val="69804"/>
+            </a:srgbClr>
+          </a:solidFill>
+          <a:ln>
+            <a:noFill/>
+          </a:ln>
+        </p:spPr>
+        <p:style>
+          <a:lnRef idx="2">
+            <a:schemeClr val="accent1">
+              <a:shade val="50000"/>
+            </a:schemeClr>
+          </a:lnRef>
+          <a:fillRef idx="1">
+            <a:schemeClr val="accent1"/>
+          </a:fillRef>
+          <a:effectRef idx="0">
+            <a:schemeClr val="accent1"/>
+          </a:effectRef>
+          <a:fontRef idx="minor">
+            <a:schemeClr val="lt1"/>
+          </a:fontRef>
+        </p:style>
+        <p:txBody>
+          <a:bodyPr rtlCol="0" anchor="ctr"/>
+          <a:lstStyle/>
+          <a:p>
+            <a:pPr algn="ctr"/>
+            <a:endParaRPr lang="ko-KR" altLang="en-US"/>
+          </a:p>
+        </p:txBody>
+      </p:sp>
     </p:spTree>
     <p:extLst>
       <p:ext uri="{BB962C8B-B14F-4D97-AF65-F5344CB8AC3E}">
